--- a/playground/slide/input/test_template_with_order_info.pptx
+++ b/playground/slide/input/test_template_with_order_info.pptx
@@ -3192,7 +3192,7 @@
         <p:spPr>
           <a:xfrm>
             <a:off x="914400" y="457200"/>
-            <a:ext cx="1612265" cy="645160"/>
+            <a:ext cx="1831340" cy="645160"/>
           </a:xfrm>
           <a:prstGeom prst="rect">
             <a:avLst/>
@@ -3213,10 +3213,16 @@
               </a:defRPr>
             </a:pPr>
             <a:r>
-              <a:rPr lang="en-US"/>
+              <a:rPr lang="en-US" b="0">
+                <a:latin typeface="Kaiti SC Regular" panose="02010600040101010101" charset="-122"/>
+                <a:ea typeface="Kaiti SC Regular" panose="02010600040101010101" charset="-122"/>
+              </a:rPr>
               <a:t>{{title}}</a:t>
             </a:r>
-            <a:endParaRPr lang="en-US"/>
+            <a:endParaRPr lang="en-US" b="0">
+              <a:latin typeface="Kaiti SC Regular" panose="02010600040101010101" charset="-122"/>
+              <a:ea typeface="Kaiti SC Regular" panose="02010600040101010101" charset="-122"/>
+            </a:endParaRPr>
           </a:p>
         </p:txBody>
       </p:sp>
